--- a/Summary/20201007_RDM_HW_rotation_update.pptx
+++ b/Summary/20201007_RDM_HW_rotation_update.pptx
@@ -4,13 +4,18 @@
   <p:sldMasterIdLst>
     <p:sldMasterId id="2147483648" r:id="rId1"/>
   </p:sldMasterIdLst>
+  <p:notesMasterIdLst>
+    <p:notesMasterId r:id="rId10"/>
+  </p:notesMasterIdLst>
   <p:sldIdLst>
     <p:sldId id="256" r:id="rId2"/>
-    <p:sldId id="257" r:id="rId3"/>
-    <p:sldId id="258" r:id="rId4"/>
-    <p:sldId id="261" r:id="rId5"/>
-    <p:sldId id="262" r:id="rId6"/>
-    <p:sldId id="264" r:id="rId7"/>
+    <p:sldId id="265" r:id="rId3"/>
+    <p:sldId id="257" r:id="rId4"/>
+    <p:sldId id="258" r:id="rId5"/>
+    <p:sldId id="261" r:id="rId6"/>
+    <p:sldId id="262" r:id="rId7"/>
+    <p:sldId id="264" r:id="rId8"/>
+    <p:sldId id="266" r:id="rId9"/>
   </p:sldIdLst>
   <p:sldSz cx="12192000" cy="6858000"/>
   <p:notesSz cx="6858000" cy="9144000"/>
@@ -115,6 +120,652 @@
     </p:ext>
   </p:extLst>
 </p:presentation>
+</file>
+
+<file path=ppt/notesMasters/notesMaster1.xml><?xml version="1.0" encoding="utf-8"?>
+<p:notesMaster xmlns:a="http://schemas.openxmlformats.org/drawingml/2006/main" xmlns:r="http://schemas.openxmlformats.org/officeDocument/2006/relationships" xmlns:p="http://schemas.openxmlformats.org/presentationml/2006/main">
+  <p:cSld>
+    <p:bg>
+      <p:bgRef idx="1001">
+        <a:schemeClr val="bg1"/>
+      </p:bgRef>
+    </p:bg>
+    <p:spTree>
+      <p:nvGrpSpPr>
+        <p:cNvPr id="1" name=""/>
+        <p:cNvGrpSpPr/>
+        <p:nvPr/>
+      </p:nvGrpSpPr>
+      <p:grpSpPr>
+        <a:xfrm>
+          <a:off x="0" y="0"/>
+          <a:ext cx="0" cy="0"/>
+          <a:chOff x="0" y="0"/>
+          <a:chExt cx="0" cy="0"/>
+        </a:xfrm>
+      </p:grpSpPr>
+      <p:sp>
+        <p:nvSpPr>
+          <p:cNvPr id="2" name="Header Placeholder 1"/>
+          <p:cNvSpPr>
+            <a:spLocks noGrp="1"/>
+          </p:cNvSpPr>
+          <p:nvPr>
+            <p:ph type="hdr" sz="quarter"/>
+          </p:nvPr>
+        </p:nvSpPr>
+        <p:spPr>
+          <a:xfrm>
+            <a:off x="0" y="0"/>
+            <a:ext cx="2971800" cy="458788"/>
+          </a:xfrm>
+          <a:prstGeom prst="rect">
+            <a:avLst/>
+          </a:prstGeom>
+        </p:spPr>
+        <p:txBody>
+          <a:bodyPr vert="horz" lIns="91440" tIns="45720" rIns="91440" bIns="45720" rtlCol="0"/>
+          <a:lstStyle>
+            <a:lvl1pPr algn="l">
+              <a:defRPr sz="1200"/>
+            </a:lvl1pPr>
+          </a:lstStyle>
+          <a:p>
+            <a:endParaRPr lang="en-US"/>
+          </a:p>
+        </p:txBody>
+      </p:sp>
+      <p:sp>
+        <p:nvSpPr>
+          <p:cNvPr id="3" name="Date Placeholder 2"/>
+          <p:cNvSpPr>
+            <a:spLocks noGrp="1"/>
+          </p:cNvSpPr>
+          <p:nvPr>
+            <p:ph type="dt" idx="1"/>
+          </p:nvPr>
+        </p:nvSpPr>
+        <p:spPr>
+          <a:xfrm>
+            <a:off x="3884613" y="0"/>
+            <a:ext cx="2971800" cy="458788"/>
+          </a:xfrm>
+          <a:prstGeom prst="rect">
+            <a:avLst/>
+          </a:prstGeom>
+        </p:spPr>
+        <p:txBody>
+          <a:bodyPr vert="horz" lIns="91440" tIns="45720" rIns="91440" bIns="45720" rtlCol="0"/>
+          <a:lstStyle>
+            <a:lvl1pPr algn="r">
+              <a:defRPr sz="1200"/>
+            </a:lvl1pPr>
+          </a:lstStyle>
+          <a:p>
+            <a:fld id="{2F446724-7A58-4020-9182-8374F0305DD3}" type="datetimeFigureOut">
+              <a:rPr lang="en-US" smtClean="0"/>
+              <a:t>10/7/2020</a:t>
+            </a:fld>
+            <a:endParaRPr lang="en-US"/>
+          </a:p>
+        </p:txBody>
+      </p:sp>
+      <p:sp>
+        <p:nvSpPr>
+          <p:cNvPr id="4" name="Slide Image Placeholder 3"/>
+          <p:cNvSpPr>
+            <a:spLocks noGrp="1" noRot="1" noChangeAspect="1"/>
+          </p:cNvSpPr>
+          <p:nvPr>
+            <p:ph type="sldImg" idx="2"/>
+          </p:nvPr>
+        </p:nvSpPr>
+        <p:spPr>
+          <a:xfrm>
+            <a:off x="685800" y="1143000"/>
+            <a:ext cx="5486400" cy="3086100"/>
+          </a:xfrm>
+          <a:prstGeom prst="rect">
+            <a:avLst/>
+          </a:prstGeom>
+          <a:noFill/>
+          <a:ln w="12700">
+            <a:solidFill>
+              <a:prstClr val="black"/>
+            </a:solidFill>
+          </a:ln>
+        </p:spPr>
+        <p:txBody>
+          <a:bodyPr vert="horz" lIns="91440" tIns="45720" rIns="91440" bIns="45720" rtlCol="0" anchor="ctr"/>
+          <a:lstStyle/>
+          <a:p>
+            <a:endParaRPr lang="en-US"/>
+          </a:p>
+        </p:txBody>
+      </p:sp>
+      <p:sp>
+        <p:nvSpPr>
+          <p:cNvPr id="5" name="Notes Placeholder 4"/>
+          <p:cNvSpPr>
+            <a:spLocks noGrp="1"/>
+          </p:cNvSpPr>
+          <p:nvPr>
+            <p:ph type="body" sz="quarter" idx="3"/>
+          </p:nvPr>
+        </p:nvSpPr>
+        <p:spPr>
+          <a:xfrm>
+            <a:off x="685800" y="4400550"/>
+            <a:ext cx="5486400" cy="3600450"/>
+          </a:xfrm>
+          <a:prstGeom prst="rect">
+            <a:avLst/>
+          </a:prstGeom>
+        </p:spPr>
+        <p:txBody>
+          <a:bodyPr vert="horz" lIns="91440" tIns="45720" rIns="91440" bIns="45720" rtlCol="0"/>
+          <a:lstStyle/>
+          <a:p>
+            <a:pPr lvl="0"/>
+            <a:r>
+              <a:rPr lang="en-US"/>
+              <a:t>Click to edit Master text styles</a:t>
+            </a:r>
+          </a:p>
+          <a:p>
+            <a:pPr lvl="1"/>
+            <a:r>
+              <a:rPr lang="en-US"/>
+              <a:t>Second level</a:t>
+            </a:r>
+          </a:p>
+          <a:p>
+            <a:pPr lvl="2"/>
+            <a:r>
+              <a:rPr lang="en-US"/>
+              <a:t>Third level</a:t>
+            </a:r>
+          </a:p>
+          <a:p>
+            <a:pPr lvl="3"/>
+            <a:r>
+              <a:rPr lang="en-US"/>
+              <a:t>Fourth level</a:t>
+            </a:r>
+          </a:p>
+          <a:p>
+            <a:pPr lvl="4"/>
+            <a:r>
+              <a:rPr lang="en-US"/>
+              <a:t>Fifth level</a:t>
+            </a:r>
+          </a:p>
+        </p:txBody>
+      </p:sp>
+      <p:sp>
+        <p:nvSpPr>
+          <p:cNvPr id="6" name="Footer Placeholder 5"/>
+          <p:cNvSpPr>
+            <a:spLocks noGrp="1"/>
+          </p:cNvSpPr>
+          <p:nvPr>
+            <p:ph type="ftr" sz="quarter" idx="4"/>
+          </p:nvPr>
+        </p:nvSpPr>
+        <p:spPr>
+          <a:xfrm>
+            <a:off x="0" y="8685213"/>
+            <a:ext cx="2971800" cy="458787"/>
+          </a:xfrm>
+          <a:prstGeom prst="rect">
+            <a:avLst/>
+          </a:prstGeom>
+        </p:spPr>
+        <p:txBody>
+          <a:bodyPr vert="horz" lIns="91440" tIns="45720" rIns="91440" bIns="45720" rtlCol="0" anchor="b"/>
+          <a:lstStyle>
+            <a:lvl1pPr algn="l">
+              <a:defRPr sz="1200"/>
+            </a:lvl1pPr>
+          </a:lstStyle>
+          <a:p>
+            <a:endParaRPr lang="en-US"/>
+          </a:p>
+        </p:txBody>
+      </p:sp>
+      <p:sp>
+        <p:nvSpPr>
+          <p:cNvPr id="7" name="Slide Number Placeholder 6"/>
+          <p:cNvSpPr>
+            <a:spLocks noGrp="1"/>
+          </p:cNvSpPr>
+          <p:nvPr>
+            <p:ph type="sldNum" sz="quarter" idx="5"/>
+          </p:nvPr>
+        </p:nvSpPr>
+        <p:spPr>
+          <a:xfrm>
+            <a:off x="3884613" y="8685213"/>
+            <a:ext cx="2971800" cy="458787"/>
+          </a:xfrm>
+          <a:prstGeom prst="rect">
+            <a:avLst/>
+          </a:prstGeom>
+        </p:spPr>
+        <p:txBody>
+          <a:bodyPr vert="horz" lIns="91440" tIns="45720" rIns="91440" bIns="45720" rtlCol="0" anchor="b"/>
+          <a:lstStyle>
+            <a:lvl1pPr algn="r">
+              <a:defRPr sz="1200"/>
+            </a:lvl1pPr>
+          </a:lstStyle>
+          <a:p>
+            <a:fld id="{9D984E8B-8157-4976-ABDF-6DA2CAC3440F}" type="slidenum">
+              <a:rPr lang="en-US" smtClean="0"/>
+              <a:t>‹#›</a:t>
+            </a:fld>
+            <a:endParaRPr lang="en-US"/>
+          </a:p>
+        </p:txBody>
+      </p:sp>
+    </p:spTree>
+    <p:extLst>
+      <p:ext uri="{BB962C8B-B14F-4D97-AF65-F5344CB8AC3E}">
+        <p14:creationId xmlns:p14="http://schemas.microsoft.com/office/powerpoint/2010/main" val="1974384678"/>
+      </p:ext>
+    </p:extLst>
+  </p:cSld>
+  <p:clrMap bg1="lt1" tx1="dk1" bg2="lt2" tx2="dk2" accent1="accent1" accent2="accent2" accent3="accent3" accent4="accent4" accent5="accent5" accent6="accent6" hlink="hlink" folHlink="folHlink"/>
+  <p:notesStyle>
+    <a:lvl1pPr marL="0" algn="l" defTabSz="914400" rtl="0" eaLnBrk="1" latinLnBrk="0" hangingPunct="1">
+      <a:defRPr sz="1200" kern="1200">
+        <a:solidFill>
+          <a:schemeClr val="tx1"/>
+        </a:solidFill>
+        <a:latin typeface="+mn-lt"/>
+        <a:ea typeface="+mn-ea"/>
+        <a:cs typeface="+mn-cs"/>
+      </a:defRPr>
+    </a:lvl1pPr>
+    <a:lvl2pPr marL="457200" algn="l" defTabSz="914400" rtl="0" eaLnBrk="1" latinLnBrk="0" hangingPunct="1">
+      <a:defRPr sz="1200" kern="1200">
+        <a:solidFill>
+          <a:schemeClr val="tx1"/>
+        </a:solidFill>
+        <a:latin typeface="+mn-lt"/>
+        <a:ea typeface="+mn-ea"/>
+        <a:cs typeface="+mn-cs"/>
+      </a:defRPr>
+    </a:lvl2pPr>
+    <a:lvl3pPr marL="914400" algn="l" defTabSz="914400" rtl="0" eaLnBrk="1" latinLnBrk="0" hangingPunct="1">
+      <a:defRPr sz="1200" kern="1200">
+        <a:solidFill>
+          <a:schemeClr val="tx1"/>
+        </a:solidFill>
+        <a:latin typeface="+mn-lt"/>
+        <a:ea typeface="+mn-ea"/>
+        <a:cs typeface="+mn-cs"/>
+      </a:defRPr>
+    </a:lvl3pPr>
+    <a:lvl4pPr marL="1371600" algn="l" defTabSz="914400" rtl="0" eaLnBrk="1" latinLnBrk="0" hangingPunct="1">
+      <a:defRPr sz="1200" kern="1200">
+        <a:solidFill>
+          <a:schemeClr val="tx1"/>
+        </a:solidFill>
+        <a:latin typeface="+mn-lt"/>
+        <a:ea typeface="+mn-ea"/>
+        <a:cs typeface="+mn-cs"/>
+      </a:defRPr>
+    </a:lvl4pPr>
+    <a:lvl5pPr marL="1828800" algn="l" defTabSz="914400" rtl="0" eaLnBrk="1" latinLnBrk="0" hangingPunct="1">
+      <a:defRPr sz="1200" kern="1200">
+        <a:solidFill>
+          <a:schemeClr val="tx1"/>
+        </a:solidFill>
+        <a:latin typeface="+mn-lt"/>
+        <a:ea typeface="+mn-ea"/>
+        <a:cs typeface="+mn-cs"/>
+      </a:defRPr>
+    </a:lvl5pPr>
+    <a:lvl6pPr marL="2286000" algn="l" defTabSz="914400" rtl="0" eaLnBrk="1" latinLnBrk="0" hangingPunct="1">
+      <a:defRPr sz="1200" kern="1200">
+        <a:solidFill>
+          <a:schemeClr val="tx1"/>
+        </a:solidFill>
+        <a:latin typeface="+mn-lt"/>
+        <a:ea typeface="+mn-ea"/>
+        <a:cs typeface="+mn-cs"/>
+      </a:defRPr>
+    </a:lvl6pPr>
+    <a:lvl7pPr marL="2743200" algn="l" defTabSz="914400" rtl="0" eaLnBrk="1" latinLnBrk="0" hangingPunct="1">
+      <a:defRPr sz="1200" kern="1200">
+        <a:solidFill>
+          <a:schemeClr val="tx1"/>
+        </a:solidFill>
+        <a:latin typeface="+mn-lt"/>
+        <a:ea typeface="+mn-ea"/>
+        <a:cs typeface="+mn-cs"/>
+      </a:defRPr>
+    </a:lvl7pPr>
+    <a:lvl8pPr marL="3200400" algn="l" defTabSz="914400" rtl="0" eaLnBrk="1" latinLnBrk="0" hangingPunct="1">
+      <a:defRPr sz="1200" kern="1200">
+        <a:solidFill>
+          <a:schemeClr val="tx1"/>
+        </a:solidFill>
+        <a:latin typeface="+mn-lt"/>
+        <a:ea typeface="+mn-ea"/>
+        <a:cs typeface="+mn-cs"/>
+      </a:defRPr>
+    </a:lvl8pPr>
+    <a:lvl9pPr marL="3657600" algn="l" defTabSz="914400" rtl="0" eaLnBrk="1" latinLnBrk="0" hangingPunct="1">
+      <a:defRPr sz="1200" kern="1200">
+        <a:solidFill>
+          <a:schemeClr val="tx1"/>
+        </a:solidFill>
+        <a:latin typeface="+mn-lt"/>
+        <a:ea typeface="+mn-ea"/>
+        <a:cs typeface="+mn-cs"/>
+      </a:defRPr>
+    </a:lvl9pPr>
+  </p:notesStyle>
+</p:notesMaster>
+</file>
+
+<file path=ppt/notesSlides/notesSlide1.xml><?xml version="1.0" encoding="utf-8"?>
+<p:notes xmlns:a="http://schemas.openxmlformats.org/drawingml/2006/main" xmlns:r="http://schemas.openxmlformats.org/officeDocument/2006/relationships" xmlns:p="http://schemas.openxmlformats.org/presentationml/2006/main">
+  <p:cSld>
+    <p:spTree>
+      <p:nvGrpSpPr>
+        <p:cNvPr id="1" name=""/>
+        <p:cNvGrpSpPr/>
+        <p:nvPr/>
+      </p:nvGrpSpPr>
+      <p:grpSpPr>
+        <a:xfrm>
+          <a:off x="0" y="0"/>
+          <a:ext cx="0" cy="0"/>
+          <a:chOff x="0" y="0"/>
+          <a:chExt cx="0" cy="0"/>
+        </a:xfrm>
+      </p:grpSpPr>
+      <p:sp>
+        <p:nvSpPr>
+          <p:cNvPr id="2" name="Slide Image Placeholder 1"/>
+          <p:cNvSpPr>
+            <a:spLocks noGrp="1" noRot="1" noChangeAspect="1"/>
+          </p:cNvSpPr>
+          <p:nvPr>
+            <p:ph type="sldImg"/>
+          </p:nvPr>
+        </p:nvSpPr>
+        <p:spPr/>
+      </p:sp>
+      <p:sp>
+        <p:nvSpPr>
+          <p:cNvPr id="3" name="Notes Placeholder 2"/>
+          <p:cNvSpPr>
+            <a:spLocks noGrp="1"/>
+          </p:cNvSpPr>
+          <p:nvPr>
+            <p:ph type="body" idx="1"/>
+          </p:nvPr>
+        </p:nvSpPr>
+        <p:spPr/>
+        <p:txBody>
+          <a:bodyPr/>
+          <a:lstStyle/>
+          <a:p>
+            <a:r>
+              <a:rPr lang="en-US" dirty="0"/>
+              <a:t>To enrich for signal, we could look at methods to aggregate collections of variants</a:t>
+            </a:r>
+          </a:p>
+          <a:p>
+            <a:r>
+              <a:rPr lang="en-US" dirty="0"/>
+              <a:t>For example, a collection of variants could be Synonymous or Nonsynonymous sites</a:t>
+            </a:r>
+          </a:p>
+          <a:p>
+            <a:r>
+              <a:rPr lang="en-US" dirty="0"/>
+              <a:t>Could look at low-frequency nonsynonymous sites.</a:t>
+            </a:r>
+          </a:p>
+        </p:txBody>
+      </p:sp>
+      <p:sp>
+        <p:nvSpPr>
+          <p:cNvPr id="4" name="Slide Number Placeholder 3"/>
+          <p:cNvSpPr>
+            <a:spLocks noGrp="1"/>
+          </p:cNvSpPr>
+          <p:nvPr>
+            <p:ph type="sldNum" sz="quarter" idx="5"/>
+          </p:nvPr>
+        </p:nvSpPr>
+        <p:spPr/>
+        <p:txBody>
+          <a:bodyPr/>
+          <a:lstStyle/>
+          <a:p>
+            <a:fld id="{9D984E8B-8157-4976-ABDF-6DA2CAC3440F}" type="slidenum">
+              <a:rPr lang="en-US" smtClean="0"/>
+              <a:t>3</a:t>
+            </a:fld>
+            <a:endParaRPr lang="en-US"/>
+          </a:p>
+        </p:txBody>
+      </p:sp>
+    </p:spTree>
+    <p:extLst>
+      <p:ext uri="{BB962C8B-B14F-4D97-AF65-F5344CB8AC3E}">
+        <p14:creationId xmlns:p14="http://schemas.microsoft.com/office/powerpoint/2010/main" val="1357965144"/>
+      </p:ext>
+    </p:extLst>
+  </p:cSld>
+  <p:clrMapOvr>
+    <a:masterClrMapping/>
+  </p:clrMapOvr>
+</p:notes>
+</file>
+
+<file path=ppt/notesSlides/notesSlide2.xml><?xml version="1.0" encoding="utf-8"?>
+<p:notes xmlns:a="http://schemas.openxmlformats.org/drawingml/2006/main" xmlns:r="http://schemas.openxmlformats.org/officeDocument/2006/relationships" xmlns:p="http://schemas.openxmlformats.org/presentationml/2006/main">
+  <p:cSld>
+    <p:spTree>
+      <p:nvGrpSpPr>
+        <p:cNvPr id="1" name=""/>
+        <p:cNvGrpSpPr/>
+        <p:nvPr/>
+      </p:nvGrpSpPr>
+      <p:grpSpPr>
+        <a:xfrm>
+          <a:off x="0" y="0"/>
+          <a:ext cx="0" cy="0"/>
+          <a:chOff x="0" y="0"/>
+          <a:chExt cx="0" cy="0"/>
+        </a:xfrm>
+      </p:grpSpPr>
+      <p:sp>
+        <p:nvSpPr>
+          <p:cNvPr id="2" name="Slide Image Placeholder 1"/>
+          <p:cNvSpPr>
+            <a:spLocks noGrp="1" noRot="1" noChangeAspect="1"/>
+          </p:cNvSpPr>
+          <p:nvPr>
+            <p:ph type="sldImg"/>
+          </p:nvPr>
+        </p:nvSpPr>
+        <p:spPr/>
+      </p:sp>
+      <p:sp>
+        <p:nvSpPr>
+          <p:cNvPr id="3" name="Notes Placeholder 2"/>
+          <p:cNvSpPr>
+            <a:spLocks noGrp="1"/>
+          </p:cNvSpPr>
+          <p:nvPr>
+            <p:ph type="body" idx="1"/>
+          </p:nvPr>
+        </p:nvSpPr>
+        <p:spPr/>
+        <p:txBody>
+          <a:bodyPr/>
+          <a:lstStyle/>
+          <a:p>
+            <a:r>
+              <a:rPr lang="en-US" dirty="0"/>
+              <a:t>To have site-independence make many small genomes,</a:t>
+            </a:r>
+          </a:p>
+          <a:p>
+            <a:r>
+              <a:rPr lang="en-US" dirty="0"/>
+              <a:t>	Lots of hundred bp fragments</a:t>
+            </a:r>
+          </a:p>
+          <a:p>
+            <a:endParaRPr lang="en-US" dirty="0"/>
+          </a:p>
+          <a:p>
+            <a:r>
+              <a:rPr lang="en-US" dirty="0"/>
+              <a:t>S of -0.1 or -0.01 would be sufficient for lethal or deleterious</a:t>
+            </a:r>
+          </a:p>
+        </p:txBody>
+      </p:sp>
+      <p:sp>
+        <p:nvSpPr>
+          <p:cNvPr id="4" name="Slide Number Placeholder 3"/>
+          <p:cNvSpPr>
+            <a:spLocks noGrp="1"/>
+          </p:cNvSpPr>
+          <p:nvPr>
+            <p:ph type="sldNum" sz="quarter" idx="5"/>
+          </p:nvPr>
+        </p:nvSpPr>
+        <p:spPr/>
+        <p:txBody>
+          <a:bodyPr/>
+          <a:lstStyle/>
+          <a:p>
+            <a:fld id="{9D984E8B-8157-4976-ABDF-6DA2CAC3440F}" type="slidenum">
+              <a:rPr lang="en-US" smtClean="0"/>
+              <a:t>4</a:t>
+            </a:fld>
+            <a:endParaRPr lang="en-US"/>
+          </a:p>
+        </p:txBody>
+      </p:sp>
+    </p:spTree>
+    <p:extLst>
+      <p:ext uri="{BB962C8B-B14F-4D97-AF65-F5344CB8AC3E}">
+        <p14:creationId xmlns:p14="http://schemas.microsoft.com/office/powerpoint/2010/main" val="3623442237"/>
+      </p:ext>
+    </p:extLst>
+  </p:cSld>
+  <p:clrMapOvr>
+    <a:masterClrMapping/>
+  </p:clrMapOvr>
+</p:notes>
+</file>
+
+<file path=ppt/notesSlides/notesSlide3.xml><?xml version="1.0" encoding="utf-8"?>
+<p:notes xmlns:a="http://schemas.openxmlformats.org/drawingml/2006/main" xmlns:r="http://schemas.openxmlformats.org/officeDocument/2006/relationships" xmlns:p="http://schemas.openxmlformats.org/presentationml/2006/main">
+  <p:cSld>
+    <p:spTree>
+      <p:nvGrpSpPr>
+        <p:cNvPr id="1" name=""/>
+        <p:cNvGrpSpPr/>
+        <p:nvPr/>
+      </p:nvGrpSpPr>
+      <p:grpSpPr>
+        <a:xfrm>
+          <a:off x="0" y="0"/>
+          <a:ext cx="0" cy="0"/>
+          <a:chOff x="0" y="0"/>
+          <a:chExt cx="0" cy="0"/>
+        </a:xfrm>
+      </p:grpSpPr>
+      <p:sp>
+        <p:nvSpPr>
+          <p:cNvPr id="2" name="Slide Image Placeholder 1"/>
+          <p:cNvSpPr>
+            <a:spLocks noGrp="1" noRot="1" noChangeAspect="1"/>
+          </p:cNvSpPr>
+          <p:nvPr>
+            <p:ph type="sldImg"/>
+          </p:nvPr>
+        </p:nvSpPr>
+        <p:spPr/>
+      </p:sp>
+      <p:sp>
+        <p:nvSpPr>
+          <p:cNvPr id="3" name="Notes Placeholder 2"/>
+          <p:cNvSpPr>
+            <a:spLocks noGrp="1"/>
+          </p:cNvSpPr>
+          <p:nvPr>
+            <p:ph type="body" idx="1"/>
+          </p:nvPr>
+        </p:nvSpPr>
+        <p:spPr/>
+        <p:txBody>
+          <a:bodyPr/>
+          <a:lstStyle/>
+          <a:p>
+            <a:r>
+              <a:rPr lang="en-US" dirty="0"/>
+              <a:t>Given that you have a doubleton, what proportion of the time do you have two heterozygotes or a homozygote</a:t>
+            </a:r>
+          </a:p>
+          <a:p>
+            <a:endParaRPr lang="en-US" dirty="0"/>
+          </a:p>
+          <a:p>
+            <a:r>
+              <a:rPr lang="en-US" dirty="0"/>
+              <a:t>Use Fisher’s Exact Test</a:t>
+            </a:r>
+          </a:p>
+        </p:txBody>
+      </p:sp>
+      <p:sp>
+        <p:nvSpPr>
+          <p:cNvPr id="4" name="Slide Number Placeholder 3"/>
+          <p:cNvSpPr>
+            <a:spLocks noGrp="1"/>
+          </p:cNvSpPr>
+          <p:nvPr>
+            <p:ph type="sldNum" sz="quarter" idx="5"/>
+          </p:nvPr>
+        </p:nvSpPr>
+        <p:spPr/>
+        <p:txBody>
+          <a:bodyPr/>
+          <a:lstStyle/>
+          <a:p>
+            <a:fld id="{9D984E8B-8157-4976-ABDF-6DA2CAC3440F}" type="slidenum">
+              <a:rPr lang="en-US" smtClean="0"/>
+              <a:t>5</a:t>
+            </a:fld>
+            <a:endParaRPr lang="en-US"/>
+          </a:p>
+        </p:txBody>
+      </p:sp>
+    </p:spTree>
+    <p:extLst>
+      <p:ext uri="{BB962C8B-B14F-4D97-AF65-F5344CB8AC3E}">
+        <p14:creationId xmlns:p14="http://schemas.microsoft.com/office/powerpoint/2010/main" val="951420653"/>
+      </p:ext>
+    </p:extLst>
+  </p:cSld>
+  <p:clrMapOvr>
+    <a:masterClrMapping/>
+  </p:clrMapOvr>
+</p:notes>
 </file>
 
 <file path=ppt/slideLayouts/slideLayout1.xml><?xml version="1.0" encoding="utf-8"?>
@@ -3464,7 +4115,7 @@
           <p:cNvPr id="2" name="Title 1">
             <a:extLst>
               <a:ext uri="{FF2B5EF4-FFF2-40B4-BE49-F238E27FC236}">
-                <a16:creationId xmlns:a16="http://schemas.microsoft.com/office/drawing/2014/main" id="{75A7D991-E38E-4B72-9921-C51DF1373BCC}"/>
+                <a16:creationId xmlns:a16="http://schemas.microsoft.com/office/drawing/2014/main" id="{E4746A5C-B80D-4DA8-82DF-70D29930F31E}"/>
               </a:ext>
             </a:extLst>
           </p:cNvPr>
@@ -3485,7 +4136,7 @@
                 <a:latin typeface="Yu Gothic" panose="020B0400000000000000" pitchFamily="34" charset="-128"/>
                 <a:ea typeface="Yu Gothic" panose="020B0400000000000000" pitchFamily="34" charset="-128"/>
               </a:rPr>
-              <a:t>Project Aim</a:t>
+              <a:t>Logistics	</a:t>
             </a:r>
           </a:p>
         </p:txBody>
@@ -3495,7 +4146,7 @@
           <p:cNvPr id="3" name="Content Placeholder 2">
             <a:extLst>
               <a:ext uri="{FF2B5EF4-FFF2-40B4-BE49-F238E27FC236}">
-                <a16:creationId xmlns:a16="http://schemas.microsoft.com/office/drawing/2014/main" id="{8B84922F-002B-4C95-A560-CC88F38F5913}"/>
+                <a16:creationId xmlns:a16="http://schemas.microsoft.com/office/drawing/2014/main" id="{3A0F4140-6E41-44AB-A78E-4CF1EDDC0892}"/>
               </a:ext>
             </a:extLst>
           </p:cNvPr>
@@ -3516,95 +4167,7 @@
                 <a:latin typeface="Yu Gothic" panose="020B0400000000000000" pitchFamily="34" charset="-128"/>
                 <a:ea typeface="Yu Gothic" panose="020B0400000000000000" pitchFamily="34" charset="-128"/>
               </a:rPr>
-              <a:t>Detect Recessive Deleterious Mutations (RDM) via departures from Hardy-Weinberg (HW)</a:t>
-            </a:r>
-          </a:p>
-          <a:p>
-            <a:pPr lvl="1"/>
-            <a:r>
-              <a:rPr lang="en-US" dirty="0" err="1">
-                <a:latin typeface="Yu Gothic" panose="020B0400000000000000" pitchFamily="34" charset="-128"/>
-                <a:ea typeface="Yu Gothic" panose="020B0400000000000000" pitchFamily="34" charset="-128"/>
-              </a:rPr>
-              <a:t>SIgnal</a:t>
-            </a:r>
-            <a:r>
-              <a:rPr lang="en-US" dirty="0">
-                <a:latin typeface="Yu Gothic" panose="020B0400000000000000" pitchFamily="34" charset="-128"/>
-                <a:ea typeface="Yu Gothic" panose="020B0400000000000000" pitchFamily="34" charset="-128"/>
-              </a:rPr>
-              <a:t> is thought to be weak, but we can increase sample size using simulations</a:t>
-            </a:r>
-          </a:p>
-          <a:p>
-            <a:pPr lvl="1"/>
-            <a:r>
-              <a:rPr lang="en-US" dirty="0">
-                <a:latin typeface="Yu Gothic" panose="020B0400000000000000" pitchFamily="34" charset="-128"/>
-                <a:ea typeface="Yu Gothic" panose="020B0400000000000000" pitchFamily="34" charset="-128"/>
-              </a:rPr>
-              <a:t>Determine sufficient sample size for detectable signal</a:t>
-            </a:r>
-          </a:p>
-          <a:p>
-            <a:pPr lvl="1"/>
-            <a:r>
-              <a:rPr lang="en-US" dirty="0">
-                <a:latin typeface="Yu Gothic" panose="020B0400000000000000" pitchFamily="34" charset="-128"/>
-                <a:ea typeface="Yu Gothic" panose="020B0400000000000000" pitchFamily="34" charset="-128"/>
-              </a:rPr>
-              <a:t>If signal can be detected, determine appropriate test statistic</a:t>
-            </a:r>
-          </a:p>
-          <a:p>
-            <a:pPr lvl="1"/>
-            <a:r>
-              <a:rPr lang="en-US" dirty="0">
-                <a:latin typeface="Yu Gothic" panose="020B0400000000000000" pitchFamily="34" charset="-128"/>
-                <a:ea typeface="Yu Gothic" panose="020B0400000000000000" pitchFamily="34" charset="-128"/>
-              </a:rPr>
-              <a:t>Use method on simulated data to compute statistical power</a:t>
-            </a:r>
-          </a:p>
-          <a:p>
-            <a:pPr lvl="1"/>
-            <a:r>
-              <a:rPr lang="en-US" dirty="0">
-                <a:latin typeface="Yu Gothic" panose="020B0400000000000000" pitchFamily="34" charset="-128"/>
-                <a:ea typeface="Yu Gothic" panose="020B0400000000000000" pitchFamily="34" charset="-128"/>
-              </a:rPr>
-              <a:t>If of sufficient power, apply to real data</a:t>
-            </a:r>
-          </a:p>
-          <a:p>
-            <a:pPr lvl="1"/>
-            <a:r>
-              <a:rPr lang="en-US" dirty="0" err="1">
-                <a:latin typeface="Yu Gothic" panose="020B0400000000000000" pitchFamily="34" charset="-128"/>
-                <a:ea typeface="Yu Gothic" panose="020B0400000000000000" pitchFamily="34" charset="-128"/>
-              </a:rPr>
-              <a:t>bing</a:t>
-            </a:r>
-            <a:r>
-              <a:rPr lang="en-US" dirty="0">
-                <a:latin typeface="Yu Gothic" panose="020B0400000000000000" pitchFamily="34" charset="-128"/>
-                <a:ea typeface="Yu Gothic" panose="020B0400000000000000" pitchFamily="34" charset="-128"/>
-              </a:rPr>
-              <a:t> </a:t>
-            </a:r>
-            <a:r>
-              <a:rPr lang="en-US" dirty="0" err="1">
-                <a:latin typeface="Yu Gothic" panose="020B0400000000000000" pitchFamily="34" charset="-128"/>
-                <a:ea typeface="Yu Gothic" panose="020B0400000000000000" pitchFamily="34" charset="-128"/>
-              </a:rPr>
-              <a:t>bada</a:t>
-            </a:r>
-            <a:r>
-              <a:rPr lang="en-US" dirty="0">
-                <a:latin typeface="Yu Gothic" panose="020B0400000000000000" pitchFamily="34" charset="-128"/>
-                <a:ea typeface="Yu Gothic" panose="020B0400000000000000" pitchFamily="34" charset="-128"/>
-              </a:rPr>
-              <a:t> boom we cured cancer (not actually)</a:t>
+              <a:t>Lab notebook format</a:t>
             </a:r>
           </a:p>
         </p:txBody>
@@ -3612,7 +4175,7 @@
     </p:spTree>
     <p:extLst>
       <p:ext uri="{BB962C8B-B14F-4D97-AF65-F5344CB8AC3E}">
-        <p14:creationId xmlns:p14="http://schemas.microsoft.com/office/powerpoint/2010/main" val="3330968267"/>
+        <p14:creationId xmlns:p14="http://schemas.microsoft.com/office/powerpoint/2010/main" val="1443621890"/>
       </p:ext>
     </p:extLst>
   </p:cSld>
@@ -3665,7 +4228,7 @@
                 <a:latin typeface="Yu Gothic" panose="020B0400000000000000" pitchFamily="34" charset="-128"/>
                 <a:ea typeface="Yu Gothic" panose="020B0400000000000000" pitchFamily="34" charset="-128"/>
               </a:rPr>
-              <a:t>Game Plan</a:t>
+              <a:t>Project Aim</a:t>
             </a:r>
           </a:p>
         </p:txBody>
@@ -3688,9 +4251,7 @@
         </p:nvSpPr>
         <p:spPr/>
         <p:txBody>
-          <a:bodyPr>
-            <a:normAutofit fontScale="92500" lnSpcReduction="10000"/>
-          </a:bodyPr>
+          <a:bodyPr/>
           <a:lstStyle/>
           <a:p>
             <a:r>
@@ -3698,16 +4259,17 @@
                 <a:latin typeface="Yu Gothic" panose="020B0400000000000000" pitchFamily="34" charset="-128"/>
                 <a:ea typeface="Yu Gothic" panose="020B0400000000000000" pitchFamily="34" charset="-128"/>
               </a:rPr>
-              <a:t>Start off with completely unrealistic case to isolate effect of RDM on HW.</a:t>
-            </a:r>
-          </a:p>
-          <a:p>
+              <a:t>Detect Recessive Deleterious Mutations (RDM) via departures from Hardy-Weinberg (HW)</a:t>
+            </a:r>
+          </a:p>
+          <a:p>
+            <a:pPr lvl="1"/>
             <a:r>
               <a:rPr lang="en-US" dirty="0">
                 <a:latin typeface="Yu Gothic" panose="020B0400000000000000" pitchFamily="34" charset="-128"/>
                 <a:ea typeface="Yu Gothic" panose="020B0400000000000000" pitchFamily="34" charset="-128"/>
               </a:rPr>
-              <a:t>Simulate aggregates of independent sites.</a:t>
+              <a:t>Signal is thought to be weak, but we can increase sample size using simulations</a:t>
             </a:r>
           </a:p>
           <a:p>
@@ -3717,7 +4279,7 @@
                 <a:latin typeface="Yu Gothic" panose="020B0400000000000000" pitchFamily="34" charset="-128"/>
                 <a:ea typeface="Yu Gothic" panose="020B0400000000000000" pitchFamily="34" charset="-128"/>
               </a:rPr>
-              <a:t>Simulations of varying sample sizes</a:t>
+              <a:t>Statistical approach or method that aggregates across variants to gain power</a:t>
             </a:r>
           </a:p>
           <a:p>
@@ -3727,16 +4289,17 @@
                 <a:latin typeface="Yu Gothic" panose="020B0400000000000000" pitchFamily="34" charset="-128"/>
                 <a:ea typeface="Yu Gothic" panose="020B0400000000000000" pitchFamily="34" charset="-128"/>
               </a:rPr>
-              <a:t>Independence was achieved via zero-rate of recombination</a:t>
-            </a:r>
-          </a:p>
-          <a:p>
+              <a:t>Determine sufficient sample size for detectable signal</a:t>
+            </a:r>
+          </a:p>
+          <a:p>
+            <a:pPr lvl="1"/>
             <a:r>
               <a:rPr lang="en-US" dirty="0">
                 <a:latin typeface="Yu Gothic" panose="020B0400000000000000" pitchFamily="34" charset="-128"/>
                 <a:ea typeface="Yu Gothic" panose="020B0400000000000000" pitchFamily="34" charset="-128"/>
               </a:rPr>
-              <a:t>Two alleles</a:t>
+              <a:t>If signal can be detected, determine appropriate test statistic</a:t>
             </a:r>
           </a:p>
           <a:p>
@@ -3746,7 +4309,7 @@
                 <a:latin typeface="Yu Gothic" panose="020B0400000000000000" pitchFamily="34" charset="-128"/>
                 <a:ea typeface="Yu Gothic" panose="020B0400000000000000" pitchFamily="34" charset="-128"/>
               </a:rPr>
-              <a:t>Neutral allele</a:t>
+              <a:t>Use method on simulated data to compute statistical power</a:t>
             </a:r>
           </a:p>
           <a:p>
@@ -3756,34 +4319,38 @@
                 <a:latin typeface="Yu Gothic" panose="020B0400000000000000" pitchFamily="34" charset="-128"/>
                 <a:ea typeface="Yu Gothic" panose="020B0400000000000000" pitchFamily="34" charset="-128"/>
               </a:rPr>
-              <a:t>Recessive deleterious allele, dominance factor of 0.0, so purely recessive</a:t>
-            </a:r>
-          </a:p>
-          <a:p>
-            <a:r>
-              <a:rPr lang="en-US" dirty="0">
-                <a:latin typeface="Yu Gothic" panose="020B0400000000000000" pitchFamily="34" charset="-128"/>
+              <a:t>If of sufficient power, apply to real data</a:t>
+            </a:r>
+          </a:p>
+          <a:p>
+            <a:pPr lvl="1"/>
+            <a:r>
+              <a:rPr lang="en-US" dirty="0" err="1">
+                <a:latin typeface="Comic Sans MS" panose="030F0702030302020204" pitchFamily="66" charset="0"/>
                 <a:ea typeface="Yu Gothic" panose="020B0400000000000000" pitchFamily="34" charset="-128"/>
               </a:rPr>
-              <a:t>Use known allele frequencies (since it’s simulated)</a:t>
-            </a:r>
-          </a:p>
-          <a:p>
+              <a:t>bing</a:t>
+            </a:r>
             <a:r>
               <a:rPr lang="en-US" dirty="0">
-                <a:latin typeface="Yu Gothic" panose="020B0400000000000000" pitchFamily="34" charset="-128"/>
+                <a:latin typeface="Comic Sans MS" panose="030F0702030302020204" pitchFamily="66" charset="0"/>
                 <a:ea typeface="Yu Gothic" panose="020B0400000000000000" pitchFamily="34" charset="-128"/>
               </a:rPr>
-              <a:t>Compute resulting genotype frequencies</a:t>
-            </a:r>
-          </a:p>
-          <a:p>
-            <a:r>
-              <a:rPr lang="en-US" dirty="0">
-                <a:latin typeface="Yu Gothic" panose="020B0400000000000000" pitchFamily="34" charset="-128"/>
+              <a:t> </a:t>
+            </a:r>
+            <a:r>
+              <a:rPr lang="en-US" dirty="0" err="1">
+                <a:latin typeface="Comic Sans MS" panose="030F0702030302020204" pitchFamily="66" charset="0"/>
                 <a:ea typeface="Yu Gothic" panose="020B0400000000000000" pitchFamily="34" charset="-128"/>
               </a:rPr>
-              <a:t>Search for departures from HW.</a:t>
+              <a:t>bada</a:t>
+            </a:r>
+            <a:r>
+              <a:rPr lang="en-US" dirty="0">
+                <a:latin typeface="Comic Sans MS" panose="030F0702030302020204" pitchFamily="66" charset="0"/>
+                <a:ea typeface="Yu Gothic" panose="020B0400000000000000" pitchFamily="34" charset="-128"/>
+              </a:rPr>
+              <a:t> boom we cured cancer (not actually)</a:t>
             </a:r>
           </a:p>
         </p:txBody>
@@ -3791,7 +4358,7 @@
     </p:spTree>
     <p:extLst>
       <p:ext uri="{BB962C8B-B14F-4D97-AF65-F5344CB8AC3E}">
-        <p14:creationId xmlns:p14="http://schemas.microsoft.com/office/powerpoint/2010/main" val="3378037784"/>
+        <p14:creationId xmlns:p14="http://schemas.microsoft.com/office/powerpoint/2010/main" val="3330968267"/>
       </p:ext>
     </p:extLst>
   </p:cSld>
@@ -3844,7 +4411,7 @@
                 <a:latin typeface="Yu Gothic" panose="020B0400000000000000" pitchFamily="34" charset="-128"/>
                 <a:ea typeface="Yu Gothic" panose="020B0400000000000000" pitchFamily="34" charset="-128"/>
               </a:rPr>
-              <a:t>Implementation Details</a:t>
+              <a:t>Game Plan</a:t>
             </a:r>
           </a:p>
         </p:txBody>
@@ -3868,7 +4435,7 @@
         <p:spPr/>
         <p:txBody>
           <a:bodyPr>
-            <a:normAutofit/>
+            <a:normAutofit fontScale="92500" lnSpcReduction="10000"/>
           </a:bodyPr>
           <a:lstStyle/>
           <a:p>
@@ -3877,17 +4444,16 @@
                 <a:latin typeface="Yu Gothic" panose="020B0400000000000000" pitchFamily="34" charset="-128"/>
                 <a:ea typeface="Yu Gothic" panose="020B0400000000000000" pitchFamily="34" charset="-128"/>
               </a:rPr>
-              <a:t>1,000 individuals (hermaphroditic, diploid)</a:t>
-            </a:r>
-          </a:p>
-          <a:p>
-            <a:pPr lvl="1"/>
+              <a:t>Start off with completely unrealistic case to isolate effect of RDM on HW.</a:t>
+            </a:r>
+          </a:p>
+          <a:p>
             <a:r>
               <a:rPr lang="en-US" dirty="0">
                 <a:latin typeface="Yu Gothic" panose="020B0400000000000000" pitchFamily="34" charset="-128"/>
                 <a:ea typeface="Yu Gothic" panose="020B0400000000000000" pitchFamily="34" charset="-128"/>
               </a:rPr>
-              <a:t>12,000 generation burn in</a:t>
+              <a:t>Simulate aggregates of independent sites.</a:t>
             </a:r>
           </a:p>
           <a:p>
@@ -3897,16 +4463,17 @@
                 <a:latin typeface="Yu Gothic" panose="020B0400000000000000" pitchFamily="34" charset="-128"/>
                 <a:ea typeface="Yu Gothic" panose="020B0400000000000000" pitchFamily="34" charset="-128"/>
               </a:rPr>
-              <a:t>Random seed = 1</a:t>
-            </a:r>
-          </a:p>
-          <a:p>
+              <a:t>Simulations of varying sample sizes</a:t>
+            </a:r>
+          </a:p>
+          <a:p>
+            <a:pPr lvl="1"/>
             <a:r>
               <a:rPr lang="en-US" dirty="0">
                 <a:latin typeface="Yu Gothic" panose="020B0400000000000000" pitchFamily="34" charset="-128"/>
                 <a:ea typeface="Yu Gothic" panose="020B0400000000000000" pitchFamily="34" charset="-128"/>
               </a:rPr>
-              <a:t>1000,000 nucleotides (uniform, no recombination)</a:t>
+              <a:t>Independence was achieved via zero-rate of recombination</a:t>
             </a:r>
           </a:p>
           <a:p>
@@ -3915,16 +4482,17 @@
                 <a:latin typeface="Yu Gothic" panose="020B0400000000000000" pitchFamily="34" charset="-128"/>
                 <a:ea typeface="Yu Gothic" panose="020B0400000000000000" pitchFamily="34" charset="-128"/>
               </a:rPr>
-              <a:t>RDM has dominance of 0 and s of -1.</a:t>
-            </a:r>
-          </a:p>
-          <a:p>
+              <a:t>Two alleles</a:t>
+            </a:r>
+          </a:p>
+          <a:p>
+            <a:pPr lvl="1"/>
             <a:r>
               <a:rPr lang="en-US" dirty="0">
                 <a:latin typeface="Yu Gothic" panose="020B0400000000000000" pitchFamily="34" charset="-128"/>
                 <a:ea typeface="Yu Gothic" panose="020B0400000000000000" pitchFamily="34" charset="-128"/>
               </a:rPr>
-              <a:t>For each SNP</a:t>
+              <a:t>Neutral allele</a:t>
             </a:r>
           </a:p>
           <a:p>
@@ -3934,36 +4502,42 @@
                 <a:latin typeface="Yu Gothic" panose="020B0400000000000000" pitchFamily="34" charset="-128"/>
                 <a:ea typeface="Yu Gothic" panose="020B0400000000000000" pitchFamily="34" charset="-128"/>
               </a:rPr>
-              <a:t>Count 0|0 homozygotes, heterozygotes, 1|1 homozygotes</a:t>
-            </a:r>
-          </a:p>
-          <a:p>
-            <a:pPr lvl="1"/>
+              <a:t>Recessive deleterious allele, dominance factor of 0.0, so purely recessive</a:t>
+            </a:r>
+          </a:p>
+          <a:p>
             <a:r>
               <a:rPr lang="en-US" dirty="0">
                 <a:latin typeface="Yu Gothic" panose="020B0400000000000000" pitchFamily="34" charset="-128"/>
                 <a:ea typeface="Yu Gothic" panose="020B0400000000000000" pitchFamily="34" charset="-128"/>
               </a:rPr>
-              <a:t>Allele </a:t>
-            </a:r>
-            <a:r>
-              <a:rPr lang="en-US" dirty="0" err="1">
+              <a:t>Use known allele frequencies (since it’s simulated)</a:t>
+            </a:r>
+          </a:p>
+          <a:p>
+            <a:r>
+              <a:rPr lang="en-US" dirty="0">
                 <a:latin typeface="Yu Gothic" panose="020B0400000000000000" pitchFamily="34" charset="-128"/>
                 <a:ea typeface="Yu Gothic" panose="020B0400000000000000" pitchFamily="34" charset="-128"/>
               </a:rPr>
-              <a:t>fre</a:t>
-            </a:r>
-            <a:endParaRPr lang="en-US" dirty="0">
-              <a:latin typeface="Yu Gothic" panose="020B0400000000000000" pitchFamily="34" charset="-128"/>
-              <a:ea typeface="Yu Gothic" panose="020B0400000000000000" pitchFamily="34" charset="-128"/>
-            </a:endParaRPr>
+              <a:t>Compute resulting genotype frequencies</a:t>
+            </a:r>
+          </a:p>
+          <a:p>
+            <a:r>
+              <a:rPr lang="en-US" dirty="0">
+                <a:latin typeface="Yu Gothic" panose="020B0400000000000000" pitchFamily="34" charset="-128"/>
+                <a:ea typeface="Yu Gothic" panose="020B0400000000000000" pitchFamily="34" charset="-128"/>
+              </a:rPr>
+              <a:t>Search for departures from HW.</a:t>
+            </a:r>
           </a:p>
         </p:txBody>
       </p:sp>
     </p:spTree>
     <p:extLst>
       <p:ext uri="{BB962C8B-B14F-4D97-AF65-F5344CB8AC3E}">
-        <p14:creationId xmlns:p14="http://schemas.microsoft.com/office/powerpoint/2010/main" val="1820793359"/>
+        <p14:creationId xmlns:p14="http://schemas.microsoft.com/office/powerpoint/2010/main" val="3378037784"/>
       </p:ext>
     </p:extLst>
   </p:cSld>
@@ -4016,6 +4590,187 @@
                 <a:latin typeface="Yu Gothic" panose="020B0400000000000000" pitchFamily="34" charset="-128"/>
                 <a:ea typeface="Yu Gothic" panose="020B0400000000000000" pitchFamily="34" charset="-128"/>
               </a:rPr>
+              <a:t>Implementation Details</a:t>
+            </a:r>
+          </a:p>
+        </p:txBody>
+      </p:sp>
+      <p:sp>
+        <p:nvSpPr>
+          <p:cNvPr id="3" name="Content Placeholder 2">
+            <a:extLst>
+              <a:ext uri="{FF2B5EF4-FFF2-40B4-BE49-F238E27FC236}">
+                <a16:creationId xmlns:a16="http://schemas.microsoft.com/office/drawing/2014/main" id="{8B84922F-002B-4C95-A560-CC88F38F5913}"/>
+              </a:ext>
+            </a:extLst>
+          </p:cNvPr>
+          <p:cNvSpPr>
+            <a:spLocks noGrp="1"/>
+          </p:cNvSpPr>
+          <p:nvPr>
+            <p:ph idx="1"/>
+          </p:nvPr>
+        </p:nvSpPr>
+        <p:spPr/>
+        <p:txBody>
+          <a:bodyPr>
+            <a:normAutofit lnSpcReduction="10000"/>
+          </a:bodyPr>
+          <a:lstStyle/>
+          <a:p>
+            <a:r>
+              <a:rPr lang="en-US" dirty="0">
+                <a:latin typeface="Yu Gothic" panose="020B0400000000000000" pitchFamily="34" charset="-128"/>
+                <a:ea typeface="Yu Gothic" panose="020B0400000000000000" pitchFamily="34" charset="-128"/>
+              </a:rPr>
+              <a:t>1,000 individuals (hermaphroditic, diploid)</a:t>
+            </a:r>
+          </a:p>
+          <a:p>
+            <a:pPr lvl="1"/>
+            <a:r>
+              <a:rPr lang="en-US" dirty="0">
+                <a:latin typeface="Yu Gothic" panose="020B0400000000000000" pitchFamily="34" charset="-128"/>
+                <a:ea typeface="Yu Gothic" panose="020B0400000000000000" pitchFamily="34" charset="-128"/>
+              </a:rPr>
+              <a:t>12,000 generation burn in</a:t>
+            </a:r>
+          </a:p>
+          <a:p>
+            <a:pPr lvl="1"/>
+            <a:r>
+              <a:rPr lang="en-US" dirty="0">
+                <a:latin typeface="Yu Gothic" panose="020B0400000000000000" pitchFamily="34" charset="-128"/>
+                <a:ea typeface="Yu Gothic" panose="020B0400000000000000" pitchFamily="34" charset="-128"/>
+              </a:rPr>
+              <a:t>Random seed = 1</a:t>
+            </a:r>
+          </a:p>
+          <a:p>
+            <a:r>
+              <a:rPr lang="en-US" dirty="0">
+                <a:latin typeface="Yu Gothic" panose="020B0400000000000000" pitchFamily="34" charset="-128"/>
+                <a:ea typeface="Yu Gothic" panose="020B0400000000000000" pitchFamily="34" charset="-128"/>
+              </a:rPr>
+              <a:t>1000,000 nucleotides (uniform, no recombination)</a:t>
+            </a:r>
+          </a:p>
+          <a:p>
+            <a:r>
+              <a:rPr lang="en-US" dirty="0">
+                <a:latin typeface="Yu Gothic" panose="020B0400000000000000" pitchFamily="34" charset="-128"/>
+                <a:ea typeface="Yu Gothic" panose="020B0400000000000000" pitchFamily="34" charset="-128"/>
+              </a:rPr>
+              <a:t>RDM has dominance of 0 and s of -1.</a:t>
+            </a:r>
+          </a:p>
+          <a:p>
+            <a:r>
+              <a:rPr lang="en-US" dirty="0">
+                <a:latin typeface="Yu Gothic" panose="020B0400000000000000" pitchFamily="34" charset="-128"/>
+                <a:ea typeface="Yu Gothic" panose="020B0400000000000000" pitchFamily="34" charset="-128"/>
+              </a:rPr>
+              <a:t>For each SNP</a:t>
+            </a:r>
+          </a:p>
+          <a:p>
+            <a:pPr lvl="1"/>
+            <a:r>
+              <a:rPr lang="en-US" dirty="0">
+                <a:latin typeface="Yu Gothic" panose="020B0400000000000000" pitchFamily="34" charset="-128"/>
+                <a:ea typeface="Yu Gothic" panose="020B0400000000000000" pitchFamily="34" charset="-128"/>
+              </a:rPr>
+              <a:t>Count 0|0 homozygotes, heterozygotes, 1|1 homozygotes</a:t>
+            </a:r>
+          </a:p>
+          <a:p>
+            <a:pPr lvl="1"/>
+            <a:r>
+              <a:rPr lang="en-US" dirty="0">
+                <a:latin typeface="Yu Gothic" panose="020B0400000000000000" pitchFamily="34" charset="-128"/>
+                <a:ea typeface="Yu Gothic" panose="020B0400000000000000" pitchFamily="34" charset="-128"/>
+              </a:rPr>
+              <a:t>Compute allele frequency and genotype frequency</a:t>
+            </a:r>
+          </a:p>
+          <a:p>
+            <a:pPr lvl="1"/>
+            <a:r>
+              <a:rPr lang="en-US" dirty="0">
+                <a:latin typeface="Yu Gothic" panose="020B0400000000000000" pitchFamily="34" charset="-128"/>
+                <a:ea typeface="Yu Gothic" panose="020B0400000000000000" pitchFamily="34" charset="-128"/>
+              </a:rPr>
+              <a:t>Compute expected genotype frequency</a:t>
+            </a:r>
+          </a:p>
+          <a:p>
+            <a:pPr lvl="1"/>
+            <a:r>
+              <a:rPr lang="en-US" dirty="0">
+                <a:latin typeface="Yu Gothic" panose="020B0400000000000000" pitchFamily="34" charset="-128"/>
+                <a:ea typeface="Yu Gothic" panose="020B0400000000000000" pitchFamily="34" charset="-128"/>
+              </a:rPr>
+              <a:t>Chi-square test for departure from HW</a:t>
+            </a:r>
+          </a:p>
+        </p:txBody>
+      </p:sp>
+    </p:spTree>
+    <p:extLst>
+      <p:ext uri="{BB962C8B-B14F-4D97-AF65-F5344CB8AC3E}">
+        <p14:creationId xmlns:p14="http://schemas.microsoft.com/office/powerpoint/2010/main" val="1820793359"/>
+      </p:ext>
+    </p:extLst>
+  </p:cSld>
+  <p:clrMapOvr>
+    <a:masterClrMapping/>
+  </p:clrMapOvr>
+</p:sld>
+</file>
+
+<file path=ppt/slides/slide6.xml><?xml version="1.0" encoding="utf-8"?>
+<p:sld xmlns:a="http://schemas.openxmlformats.org/drawingml/2006/main" xmlns:r="http://schemas.openxmlformats.org/officeDocument/2006/relationships" xmlns:p="http://schemas.openxmlformats.org/presentationml/2006/main">
+  <p:cSld>
+    <p:spTree>
+      <p:nvGrpSpPr>
+        <p:cNvPr id="1" name=""/>
+        <p:cNvGrpSpPr/>
+        <p:nvPr/>
+      </p:nvGrpSpPr>
+      <p:grpSpPr>
+        <a:xfrm>
+          <a:off x="0" y="0"/>
+          <a:ext cx="0" cy="0"/>
+          <a:chOff x="0" y="0"/>
+          <a:chExt cx="0" cy="0"/>
+        </a:xfrm>
+      </p:grpSpPr>
+      <p:sp>
+        <p:nvSpPr>
+          <p:cNvPr id="2" name="Title 1">
+            <a:extLst>
+              <a:ext uri="{FF2B5EF4-FFF2-40B4-BE49-F238E27FC236}">
+                <a16:creationId xmlns:a16="http://schemas.microsoft.com/office/drawing/2014/main" id="{75A7D991-E38E-4B72-9921-C51DF1373BCC}"/>
+              </a:ext>
+            </a:extLst>
+          </p:cNvPr>
+          <p:cNvSpPr>
+            <a:spLocks noGrp="1"/>
+          </p:cNvSpPr>
+          <p:nvPr>
+            <p:ph type="title"/>
+          </p:nvPr>
+        </p:nvSpPr>
+        <p:spPr/>
+        <p:txBody>
+          <a:bodyPr/>
+          <a:lstStyle/>
+          <a:p>
+            <a:r>
+              <a:rPr lang="en-US" dirty="0">
+                <a:latin typeface="Yu Gothic" panose="020B0400000000000000" pitchFamily="34" charset="-128"/>
+                <a:ea typeface="Yu Gothic" panose="020B0400000000000000" pitchFamily="34" charset="-128"/>
+              </a:rPr>
               <a:t>Results</a:t>
             </a:r>
           </a:p>
@@ -4036,7 +4791,7 @@
           <p:nvPr>
             <p:extLst>
               <p:ext uri="{D42A27DB-BD31-4B8C-83A1-F6EECF244321}">
-                <p14:modId xmlns:p14="http://schemas.microsoft.com/office/powerpoint/2010/main" val="3448647423"/>
+                <p14:modId xmlns:p14="http://schemas.microsoft.com/office/powerpoint/2010/main" val="4142078548"/>
               </p:ext>
             </p:extLst>
           </p:nvPr>
@@ -5260,7 +6015,7 @@
 </p:sld>
 </file>
 
-<file path=ppt/slides/slide6.xml><?xml version="1.0" encoding="utf-8"?>
+<file path=ppt/slides/slide7.xml><?xml version="1.0" encoding="utf-8"?>
 <p:sld xmlns:a="http://schemas.openxmlformats.org/drawingml/2006/main" xmlns:r="http://schemas.openxmlformats.org/officeDocument/2006/relationships" xmlns:p="http://schemas.openxmlformats.org/presentationml/2006/main">
   <p:cSld>
     <p:spTree>
@@ -5323,7 +6078,7 @@
           <p:nvPr>
             <p:extLst>
               <p:ext uri="{D42A27DB-BD31-4B8C-83A1-F6EECF244321}">
-                <p14:modId xmlns:p14="http://schemas.microsoft.com/office/powerpoint/2010/main" val="322420403"/>
+                <p14:modId xmlns:p14="http://schemas.microsoft.com/office/powerpoint/2010/main" val="3204343648"/>
               </p:ext>
             </p:extLst>
           </p:nvPr>
@@ -5368,7 +6123,10 @@
                     <a:lstStyle/>
                     <a:p>
                       <a:r>
-                        <a:rPr lang="en-US" dirty="0"/>
+                        <a:rPr lang="en-US" dirty="0">
+                          <a:latin typeface="Yu Gothic" panose="020B0400000000000000" pitchFamily="34" charset="-128"/>
+                          <a:ea typeface="Yu Gothic" panose="020B0400000000000000" pitchFamily="34" charset="-128"/>
+                        </a:rPr>
                         <a:t>Sample of 500</a:t>
                       </a:r>
                     </a:p>
@@ -5381,7 +6139,10 @@
                     <a:lstStyle/>
                     <a:p>
                       <a:r>
-                        <a:rPr lang="en-US" dirty="0"/>
+                        <a:rPr lang="en-US" dirty="0">
+                          <a:latin typeface="Yu Gothic" panose="020B0400000000000000" pitchFamily="34" charset="-128"/>
+                          <a:ea typeface="Yu Gothic" panose="020B0400000000000000" pitchFamily="34" charset="-128"/>
+                        </a:rPr>
                         <a:t>Observed</a:t>
                       </a:r>
                     </a:p>
@@ -5394,7 +6155,10 @@
                     <a:lstStyle/>
                     <a:p>
                       <a:r>
-                        <a:rPr lang="en-US" dirty="0"/>
+                        <a:rPr lang="en-US" dirty="0">
+                          <a:latin typeface="Yu Gothic" panose="020B0400000000000000" pitchFamily="34" charset="-128"/>
+                          <a:ea typeface="Yu Gothic" panose="020B0400000000000000" pitchFamily="34" charset="-128"/>
+                        </a:rPr>
                         <a:t>Expected</a:t>
                       </a:r>
                     </a:p>
@@ -5414,7 +6178,10 @@
                     <a:lstStyle/>
                     <a:p>
                       <a:r>
-                        <a:rPr lang="en-US" dirty="0"/>
+                        <a:rPr lang="en-US" dirty="0">
+                          <a:latin typeface="Yu Gothic" panose="020B0400000000000000" pitchFamily="34" charset="-128"/>
+                          <a:ea typeface="Yu Gothic" panose="020B0400000000000000" pitchFamily="34" charset="-128"/>
+                        </a:rPr>
                         <a:t>Dominant Homozygous</a:t>
                       </a:r>
                     </a:p>
@@ -5427,7 +6194,10 @@
                     <a:lstStyle/>
                     <a:p>
                       <a:r>
-                        <a:rPr lang="en-US" dirty="0"/>
+                        <a:rPr lang="en-US" dirty="0">
+                          <a:latin typeface="Yu Gothic" panose="020B0400000000000000" pitchFamily="34" charset="-128"/>
+                          <a:ea typeface="Yu Gothic" panose="020B0400000000000000" pitchFamily="34" charset="-128"/>
+                        </a:rPr>
                         <a:t>0.8931456610121968</a:t>
                       </a:r>
                     </a:p>
@@ -5440,7 +6210,10 @@
                     <a:lstStyle/>
                     <a:p>
                       <a:r>
-                        <a:rPr lang="en-US" dirty="0"/>
+                        <a:rPr lang="en-US" dirty="0">
+                          <a:latin typeface="Yu Gothic" panose="020B0400000000000000" pitchFamily="34" charset="-128"/>
+                          <a:ea typeface="Yu Gothic" panose="020B0400000000000000" pitchFamily="34" charset="-128"/>
+                        </a:rPr>
                         <a:t>0.8915951998483673</a:t>
                       </a:r>
                     </a:p>
@@ -5460,7 +6233,10 @@
                     <a:lstStyle/>
                     <a:p>
                       <a:r>
-                        <a:rPr lang="en-US" dirty="0"/>
+                        <a:rPr lang="en-US" dirty="0">
+                          <a:latin typeface="Yu Gothic" panose="020B0400000000000000" pitchFamily="34" charset="-128"/>
+                          <a:ea typeface="Yu Gothic" panose="020B0400000000000000" pitchFamily="34" charset="-128"/>
+                        </a:rPr>
                         <a:t>Heterozygous</a:t>
                       </a:r>
                     </a:p>
@@ -5473,7 +6249,10 @@
                     <a:lstStyle/>
                     <a:p>
                       <a:r>
-                        <a:rPr lang="en-US" dirty="0"/>
+                        <a:rPr lang="en-US" dirty="0">
+                          <a:latin typeface="Yu Gothic" panose="020B0400000000000000" pitchFamily="34" charset="-128"/>
+                          <a:ea typeface="Yu Gothic" panose="020B0400000000000000" pitchFamily="34" charset="-128"/>
+                        </a:rPr>
                         <a:t>0.10219505584373101</a:t>
                       </a:r>
                     </a:p>
@@ -5486,7 +6265,10 @@
                     <a:lstStyle/>
                     <a:p>
                       <a:r>
-                        <a:rPr lang="en-US" dirty="0"/>
+                        <a:rPr lang="en-US" dirty="0">
+                          <a:latin typeface="Yu Gothic" panose="020B0400000000000000" pitchFamily="34" charset="-128"/>
+                          <a:ea typeface="Yu Gothic" panose="020B0400000000000000" pitchFamily="34" charset="-128"/>
+                        </a:rPr>
                         <a:t>0.10529597817138998</a:t>
                       </a:r>
                     </a:p>
@@ -5506,7 +6288,10 @@
                     <a:lstStyle/>
                     <a:p>
                       <a:r>
-                        <a:rPr lang="en-US" dirty="0"/>
+                        <a:rPr lang="en-US" dirty="0">
+                          <a:latin typeface="Yu Gothic" panose="020B0400000000000000" pitchFamily="34" charset="-128"/>
+                          <a:ea typeface="Yu Gothic" panose="020B0400000000000000" pitchFamily="34" charset="-128"/>
+                        </a:rPr>
                         <a:t>Recessive Homozygous</a:t>
                       </a:r>
                     </a:p>
@@ -5519,7 +6304,10 @@
                     <a:lstStyle/>
                     <a:p>
                       <a:r>
-                        <a:rPr lang="en-US" dirty="0"/>
+                        <a:rPr lang="en-US" dirty="0">
+                          <a:latin typeface="Yu Gothic" panose="020B0400000000000000" pitchFamily="34" charset="-128"/>
+                          <a:ea typeface="Yu Gothic" panose="020B0400000000000000" pitchFamily="34" charset="-128"/>
+                        </a:rPr>
                         <a:t>0.004659283144072153</a:t>
                       </a:r>
                     </a:p>
@@ -5532,8 +6320,11 @@
                     <a:lstStyle/>
                     <a:p>
                       <a:r>
-                        <a:rPr lang="en-US" dirty="0"/>
-                        <a:t>0.0031088219802426686</a:t>
+                        <a:rPr lang="en-US" dirty="0">
+                          <a:latin typeface="Yu Gothic" panose="020B0400000000000000" pitchFamily="34" charset="-128"/>
+                          <a:ea typeface="Yu Gothic" panose="020B0400000000000000" pitchFamily="34" charset="-128"/>
+                        </a:rPr>
+                        <a:t>0.003108821980242668</a:t>
                       </a:r>
                     </a:p>
                   </a:txBody>
@@ -5564,7 +6355,7 @@
           <p:nvPr>
             <p:extLst>
               <p:ext uri="{D42A27DB-BD31-4B8C-83A1-F6EECF244321}">
-                <p14:modId xmlns:p14="http://schemas.microsoft.com/office/powerpoint/2010/main" val="438197549"/>
+                <p14:modId xmlns:p14="http://schemas.microsoft.com/office/powerpoint/2010/main" val="10222951"/>
               </p:ext>
             </p:extLst>
           </p:nvPr>
@@ -5609,7 +6400,10 @@
                     <a:lstStyle/>
                     <a:p>
                       <a:r>
-                        <a:rPr lang="en-US" dirty="0"/>
+                        <a:rPr lang="en-US" dirty="0">
+                          <a:latin typeface="Yu Gothic" panose="020B0400000000000000" pitchFamily="34" charset="-128"/>
+                          <a:ea typeface="Yu Gothic" panose="020B0400000000000000" pitchFamily="34" charset="-128"/>
+                        </a:rPr>
                         <a:t>Sample of 1000</a:t>
                       </a:r>
                     </a:p>
@@ -5622,7 +6416,10 @@
                     <a:lstStyle/>
                     <a:p>
                       <a:r>
-                        <a:rPr lang="en-US" dirty="0"/>
+                        <a:rPr lang="en-US" dirty="0">
+                          <a:latin typeface="Yu Gothic" panose="020B0400000000000000" pitchFamily="34" charset="-128"/>
+                          <a:ea typeface="Yu Gothic" panose="020B0400000000000000" pitchFamily="34" charset="-128"/>
+                        </a:rPr>
                         <a:t>Observed</a:t>
                       </a:r>
                     </a:p>
@@ -5635,7 +6432,10 @@
                     <a:lstStyle/>
                     <a:p>
                       <a:r>
-                        <a:rPr lang="en-US" dirty="0"/>
+                        <a:rPr lang="en-US" dirty="0">
+                          <a:latin typeface="Yu Gothic" panose="020B0400000000000000" pitchFamily="34" charset="-128"/>
+                          <a:ea typeface="Yu Gothic" panose="020B0400000000000000" pitchFamily="34" charset="-128"/>
+                        </a:rPr>
                         <a:t>Expected</a:t>
                       </a:r>
                     </a:p>
@@ -5655,7 +6455,10 @@
                     <a:lstStyle/>
                     <a:p>
                       <a:r>
-                        <a:rPr lang="en-US" dirty="0"/>
+                        <a:rPr lang="en-US" dirty="0">
+                          <a:latin typeface="Yu Gothic" panose="020B0400000000000000" pitchFamily="34" charset="-128"/>
+                          <a:ea typeface="Yu Gothic" panose="020B0400000000000000" pitchFamily="34" charset="-128"/>
+                        </a:rPr>
                         <a:t>Dominant Homozygous</a:t>
                       </a:r>
                     </a:p>
@@ -5668,7 +6471,10 @@
                     <a:lstStyle/>
                     <a:p>
                       <a:r>
-                        <a:rPr lang="en-US" dirty="0"/>
+                        <a:rPr lang="en-US" dirty="0">
+                          <a:latin typeface="Yu Gothic" panose="020B0400000000000000" pitchFamily="34" charset="-128"/>
+                          <a:ea typeface="Yu Gothic" panose="020B0400000000000000" pitchFamily="34" charset="-128"/>
+                        </a:rPr>
                         <a:t>0.8930205751803219</a:t>
                       </a:r>
                     </a:p>
@@ -5681,7 +6487,10 @@
                     <a:lstStyle/>
                     <a:p>
                       <a:r>
-                        <a:rPr lang="en-US" dirty="0"/>
+                        <a:rPr lang="en-US" dirty="0">
+                          <a:latin typeface="Yu Gothic" panose="020B0400000000000000" pitchFamily="34" charset="-128"/>
+                          <a:ea typeface="Yu Gothic" panose="020B0400000000000000" pitchFamily="34" charset="-128"/>
+                        </a:rPr>
                         <a:t>0.8928673176232556</a:t>
                       </a:r>
                     </a:p>
@@ -5701,7 +6510,10 @@
                     <a:lstStyle/>
                     <a:p>
                       <a:r>
-                        <a:rPr lang="en-US" dirty="0"/>
+                        <a:rPr lang="en-US" dirty="0">
+                          <a:latin typeface="Yu Gothic" panose="020B0400000000000000" pitchFamily="34" charset="-128"/>
+                          <a:ea typeface="Yu Gothic" panose="020B0400000000000000" pitchFamily="34" charset="-128"/>
+                        </a:rPr>
                         <a:t>Heterozygous</a:t>
                       </a:r>
                     </a:p>
@@ -5714,7 +6526,10 @@
                     <a:lstStyle/>
                     <a:p>
                       <a:r>
-                        <a:rPr lang="en-US" dirty="0"/>
+                        <a:rPr lang="en-US" dirty="0">
+                          <a:latin typeface="Yu Gothic" panose="020B0400000000000000" pitchFamily="34" charset="-128"/>
+                          <a:ea typeface="Yu Gothic" panose="020B0400000000000000" pitchFamily="34" charset="-128"/>
+                        </a:rPr>
                         <a:t>0.10379198261512854</a:t>
                       </a:r>
                     </a:p>
@@ -5727,7 +6542,10 @@
                     <a:lstStyle/>
                     <a:p>
                       <a:r>
-                        <a:rPr lang="en-US" dirty="0"/>
+                        <a:rPr lang="en-US" dirty="0">
+                          <a:latin typeface="Yu Gothic" panose="020B0400000000000000" pitchFamily="34" charset="-128"/>
+                          <a:ea typeface="Yu Gothic" panose="020B0400000000000000" pitchFamily="34" charset="-128"/>
+                        </a:rPr>
                         <a:t>0.1040984977292609</a:t>
                       </a:r>
                     </a:p>
@@ -5747,7 +6565,10 @@
                     <a:lstStyle/>
                     <a:p>
                       <a:r>
-                        <a:rPr lang="en-US" dirty="0"/>
+                        <a:rPr lang="en-US" dirty="0">
+                          <a:latin typeface="Yu Gothic" panose="020B0400000000000000" pitchFamily="34" charset="-128"/>
+                          <a:ea typeface="Yu Gothic" panose="020B0400000000000000" pitchFamily="34" charset="-128"/>
+                        </a:rPr>
                         <a:t>Recessive Homozygous</a:t>
                       </a:r>
                     </a:p>
@@ -5760,7 +6581,10 @@
                     <a:lstStyle/>
                     <a:p>
                       <a:r>
-                        <a:rPr lang="en-US" dirty="0"/>
+                        <a:rPr lang="en-US" dirty="0">
+                          <a:latin typeface="Yu Gothic" panose="020B0400000000000000" pitchFamily="34" charset="-128"/>
+                          <a:ea typeface="Yu Gothic" panose="020B0400000000000000" pitchFamily="34" charset="-128"/>
+                        </a:rPr>
                         <a:t>0.003187442204549658</a:t>
                       </a:r>
                     </a:p>
@@ -5773,7 +6597,10 @@
                     <a:lstStyle/>
                     <a:p>
                       <a:r>
-                        <a:rPr lang="en-US" dirty="0"/>
+                        <a:rPr lang="en-US" dirty="0">
+                          <a:latin typeface="Yu Gothic" panose="020B0400000000000000" pitchFamily="34" charset="-128"/>
+                          <a:ea typeface="Yu Gothic" panose="020B0400000000000000" pitchFamily="34" charset="-128"/>
+                        </a:rPr>
                         <a:t>0.003034184647483476</a:t>
                       </a:r>
                     </a:p>
@@ -6066,6 +6893,192 @@
     <p:extLst>
       <p:ext uri="{BB962C8B-B14F-4D97-AF65-F5344CB8AC3E}">
         <p14:creationId xmlns:p14="http://schemas.microsoft.com/office/powerpoint/2010/main" val="652934559"/>
+      </p:ext>
+    </p:extLst>
+  </p:cSld>
+  <p:clrMapOvr>
+    <a:masterClrMapping/>
+  </p:clrMapOvr>
+</p:sld>
+</file>
+
+<file path=ppt/slides/slide8.xml><?xml version="1.0" encoding="utf-8"?>
+<p:sld xmlns:a="http://schemas.openxmlformats.org/drawingml/2006/main" xmlns:r="http://schemas.openxmlformats.org/officeDocument/2006/relationships" xmlns:p="http://schemas.openxmlformats.org/presentationml/2006/main">
+  <p:cSld>
+    <p:spTree>
+      <p:nvGrpSpPr>
+        <p:cNvPr id="1" name=""/>
+        <p:cNvGrpSpPr/>
+        <p:nvPr/>
+      </p:nvGrpSpPr>
+      <p:grpSpPr>
+        <a:xfrm>
+          <a:off x="0" y="0"/>
+          <a:ext cx="0" cy="0"/>
+          <a:chOff x="0" y="0"/>
+          <a:chExt cx="0" cy="0"/>
+        </a:xfrm>
+      </p:grpSpPr>
+      <p:sp>
+        <p:nvSpPr>
+          <p:cNvPr id="2" name="Title 1">
+            <a:extLst>
+              <a:ext uri="{FF2B5EF4-FFF2-40B4-BE49-F238E27FC236}">
+                <a16:creationId xmlns:a16="http://schemas.microsoft.com/office/drawing/2014/main" id="{1DA4FD9C-0575-4672-BDCF-805449EFAC7C}"/>
+              </a:ext>
+            </a:extLst>
+          </p:cNvPr>
+          <p:cNvSpPr>
+            <a:spLocks noGrp="1"/>
+          </p:cNvSpPr>
+          <p:nvPr>
+            <p:ph type="title"/>
+          </p:nvPr>
+        </p:nvSpPr>
+        <p:spPr/>
+        <p:txBody>
+          <a:bodyPr/>
+          <a:lstStyle/>
+          <a:p>
+            <a:r>
+              <a:rPr lang="en-US" dirty="0"/>
+              <a:t>//</a:t>
+            </a:r>
+            <a:r>
+              <a:rPr lang="en-US" dirty="0" err="1"/>
+              <a:t>Todo</a:t>
+            </a:r>
+            <a:endParaRPr lang="en-US" dirty="0"/>
+          </a:p>
+        </p:txBody>
+      </p:sp>
+      <p:sp>
+        <p:nvSpPr>
+          <p:cNvPr id="3" name="Content Placeholder 2">
+            <a:extLst>
+              <a:ext uri="{FF2B5EF4-FFF2-40B4-BE49-F238E27FC236}">
+                <a16:creationId xmlns:a16="http://schemas.microsoft.com/office/drawing/2014/main" id="{B7017510-3A51-4778-BB7F-0F91AE0D6F96}"/>
+              </a:ext>
+            </a:extLst>
+          </p:cNvPr>
+          <p:cNvSpPr>
+            <a:spLocks noGrp="1"/>
+          </p:cNvSpPr>
+          <p:nvPr>
+            <p:ph idx="1"/>
+          </p:nvPr>
+        </p:nvSpPr>
+        <p:spPr/>
+        <p:txBody>
+          <a:bodyPr>
+            <a:normAutofit fontScale="85000" lnSpcReduction="20000"/>
+          </a:bodyPr>
+          <a:lstStyle/>
+          <a:p>
+            <a:r>
+              <a:rPr lang="en-US" dirty="0"/>
+              <a:t>Simulations of small size, but large number of segments</a:t>
+            </a:r>
+          </a:p>
+          <a:p>
+            <a:pPr lvl="1"/>
+            <a:r>
+              <a:rPr lang="en-US" dirty="0"/>
+              <a:t>100 base pairs per independent region, recombination = 0</a:t>
+            </a:r>
+          </a:p>
+          <a:p>
+            <a:r>
+              <a:rPr lang="en-US" dirty="0"/>
+              <a:t>Use more reasonable s, i.e., s=-0.01 or s=-0.1, or even s=-0.001</a:t>
+            </a:r>
+          </a:p>
+          <a:p>
+            <a:r>
+              <a:rPr lang="en-US" dirty="0"/>
+              <a:t>Simulate with s=0 as possible baseline / null</a:t>
+            </a:r>
+          </a:p>
+          <a:p>
+            <a:r>
+              <a:rPr lang="en-US" dirty="0"/>
+              <a:t>Fisher’s Exact Test for Hardy-</a:t>
+            </a:r>
+            <a:r>
+              <a:rPr lang="en-US" dirty="0" err="1"/>
+              <a:t>Weinburg</a:t>
+            </a:r>
+            <a:endParaRPr lang="en-US" dirty="0"/>
+          </a:p>
+          <a:p>
+            <a:pPr lvl="1"/>
+            <a:r>
+              <a:rPr lang="en-US" dirty="0"/>
+              <a:t>Throw out singletons, since they are uninformative</a:t>
+            </a:r>
+          </a:p>
+          <a:p>
+            <a:pPr lvl="1"/>
+            <a:r>
+              <a:rPr lang="en-US" dirty="0"/>
+              <a:t>Should help out multiple-hypothesis burden</a:t>
+            </a:r>
+          </a:p>
+          <a:p>
+            <a:r>
+              <a:rPr lang="en-US" dirty="0"/>
+              <a:t>Apply test for each SNP</a:t>
+            </a:r>
+          </a:p>
+          <a:p>
+            <a:r>
+              <a:rPr lang="en-US" dirty="0"/>
+              <a:t>Make </a:t>
+            </a:r>
+            <a:r>
+              <a:rPr lang="en-US" dirty="0" err="1"/>
+              <a:t>qq</a:t>
+            </a:r>
+            <a:r>
+              <a:rPr lang="en-US" dirty="0"/>
+              <a:t>-plot of p-values</a:t>
+            </a:r>
+          </a:p>
+          <a:p>
+            <a:r>
+              <a:rPr lang="en-US" dirty="0"/>
+              <a:t>Compare additive and neutral simulation (this was neutral)</a:t>
+            </a:r>
+          </a:p>
+          <a:p>
+            <a:r>
+              <a:rPr lang="en-US" dirty="0"/>
+              <a:t>Conditional on allele count, compute probability of homozygotes</a:t>
+            </a:r>
+          </a:p>
+          <a:p>
+            <a:r>
+              <a:rPr lang="en-US" dirty="0"/>
+              <a:t>Read </a:t>
+            </a:r>
+            <a:r>
+              <a:rPr lang="en-US" dirty="0" err="1"/>
+              <a:t>Rohlfs</a:t>
+            </a:r>
+            <a:r>
+              <a:rPr lang="en-US" dirty="0"/>
+              <a:t> paper</a:t>
+            </a:r>
+          </a:p>
+          <a:p>
+            <a:endParaRPr lang="en-US" dirty="0"/>
+          </a:p>
+        </p:txBody>
+      </p:sp>
+    </p:spTree>
+    <p:extLst>
+      <p:ext uri="{BB962C8B-B14F-4D97-AF65-F5344CB8AC3E}">
+        <p14:creationId xmlns:p14="http://schemas.microsoft.com/office/powerpoint/2010/main" val="1275175432"/>
       </p:ext>
     </p:extLst>
   </p:cSld>
@@ -6368,4 +7381,299 @@
     </a:ext>
   </a:extLst>
 </a:theme>
+</file>
+
+<file path=ppt/theme/theme2.xml><?xml version="1.0" encoding="utf-8"?>
+<a:theme xmlns:a="http://schemas.openxmlformats.org/drawingml/2006/main" name="Office Theme">
+  <a:themeElements>
+    <a:clrScheme name="Office">
+      <a:dk1>
+        <a:sysClr val="windowText" lastClr="000000"/>
+      </a:dk1>
+      <a:lt1>
+        <a:sysClr val="window" lastClr="FFFFFF"/>
+      </a:lt1>
+      <a:dk2>
+        <a:srgbClr val="44546A"/>
+      </a:dk2>
+      <a:lt2>
+        <a:srgbClr val="E7E6E6"/>
+      </a:lt2>
+      <a:accent1>
+        <a:srgbClr val="4472C4"/>
+      </a:accent1>
+      <a:accent2>
+        <a:srgbClr val="ED7D31"/>
+      </a:accent2>
+      <a:accent3>
+        <a:srgbClr val="A5A5A5"/>
+      </a:accent3>
+      <a:accent4>
+        <a:srgbClr val="FFC000"/>
+      </a:accent4>
+      <a:accent5>
+        <a:srgbClr val="5B9BD5"/>
+      </a:accent5>
+      <a:accent6>
+        <a:srgbClr val="70AD47"/>
+      </a:accent6>
+      <a:hlink>
+        <a:srgbClr val="0563C1"/>
+      </a:hlink>
+      <a:folHlink>
+        <a:srgbClr val="954F72"/>
+      </a:folHlink>
+    </a:clrScheme>
+    <a:fontScheme name="Office">
+      <a:majorFont>
+        <a:latin typeface="Calibri Light" panose="020F0302020204030204"/>
+        <a:ea typeface=""/>
+        <a:cs typeface=""/>
+        <a:font script="Jpan" typeface="游ゴシック Light"/>
+        <a:font script="Hang" typeface="맑은 고딕"/>
+        <a:font script="Hans" typeface="等线 Light"/>
+        <a:font script="Hant" typeface="新細明體"/>
+        <a:font script="Arab" typeface="Times New Roman"/>
+        <a:font script="Hebr" typeface="Times New Roman"/>
+        <a:font script="Thai" typeface="Angsana New"/>
+        <a:font script="Ethi" typeface="Nyala"/>
+        <a:font script="Beng" typeface="Vrinda"/>
+        <a:font script="Gujr" typeface="Shruti"/>
+        <a:font script="Khmr" typeface="MoolBoran"/>
+        <a:font script="Knda" typeface="Tunga"/>
+        <a:font script="Guru" typeface="Raavi"/>
+        <a:font script="Cans" typeface="Euphemia"/>
+        <a:font script="Cher" typeface="Plantagenet Cherokee"/>
+        <a:font script="Yiii" typeface="Microsoft Yi Baiti"/>
+        <a:font script="Tibt" typeface="Microsoft Himalaya"/>
+        <a:font script="Thaa" typeface="MV Boli"/>
+        <a:font script="Deva" typeface="Mangal"/>
+        <a:font script="Telu" typeface="Gautami"/>
+        <a:font script="Taml" typeface="Latha"/>
+        <a:font script="Syrc" typeface="Estrangelo Edessa"/>
+        <a:font script="Orya" typeface="Kalinga"/>
+        <a:font script="Mlym" typeface="Kartika"/>
+        <a:font script="Laoo" typeface="DokChampa"/>
+        <a:font script="Sinh" typeface="Iskoola Pota"/>
+        <a:font script="Mong" typeface="Mongolian Baiti"/>
+        <a:font script="Viet" typeface="Times New Roman"/>
+        <a:font script="Uigh" typeface="Microsoft Uighur"/>
+        <a:font script="Geor" typeface="Sylfaen"/>
+        <a:font script="Armn" typeface="Arial"/>
+        <a:font script="Bugi" typeface="Leelawadee UI"/>
+        <a:font script="Bopo" typeface="Microsoft JhengHei"/>
+        <a:font script="Java" typeface="Javanese Text"/>
+        <a:font script="Lisu" typeface="Segoe UI"/>
+        <a:font script="Mymr" typeface="Myanmar Text"/>
+        <a:font script="Nkoo" typeface="Ebrima"/>
+        <a:font script="Olck" typeface="Nirmala UI"/>
+        <a:font script="Osma" typeface="Ebrima"/>
+        <a:font script="Phag" typeface="Phagspa"/>
+        <a:font script="Syrn" typeface="Estrangelo Edessa"/>
+        <a:font script="Syrj" typeface="Estrangelo Edessa"/>
+        <a:font script="Syre" typeface="Estrangelo Edessa"/>
+        <a:font script="Sora" typeface="Nirmala UI"/>
+        <a:font script="Tale" typeface="Microsoft Tai Le"/>
+        <a:font script="Talu" typeface="Microsoft New Tai Lue"/>
+        <a:font script="Tfng" typeface="Ebrima"/>
+      </a:majorFont>
+      <a:minorFont>
+        <a:latin typeface="Calibri" panose="020F0502020204030204"/>
+        <a:ea typeface=""/>
+        <a:cs typeface=""/>
+        <a:font script="Jpan" typeface="游ゴシック"/>
+        <a:font script="Hang" typeface="맑은 고딕"/>
+        <a:font script="Hans" typeface="等线"/>
+        <a:font script="Hant" typeface="新細明體"/>
+        <a:font script="Arab" typeface="Arial"/>
+        <a:font script="Hebr" typeface="Arial"/>
+        <a:font script="Thai" typeface="Cordia New"/>
+        <a:font script="Ethi" typeface="Nyala"/>
+        <a:font script="Beng" typeface="Vrinda"/>
+        <a:font script="Gujr" typeface="Shruti"/>
+        <a:font script="Khmr" typeface="DaunPenh"/>
+        <a:font script="Knda" typeface="Tunga"/>
+        <a:font script="Guru" typeface="Raavi"/>
+        <a:font script="Cans" typeface="Euphemia"/>
+        <a:font script="Cher" typeface="Plantagenet Cherokee"/>
+        <a:font script="Yiii" typeface="Microsoft Yi Baiti"/>
+        <a:font script="Tibt" typeface="Microsoft Himalaya"/>
+        <a:font script="Thaa" typeface="MV Boli"/>
+        <a:font script="Deva" typeface="Mangal"/>
+        <a:font script="Telu" typeface="Gautami"/>
+        <a:font script="Taml" typeface="Latha"/>
+        <a:font script="Syrc" typeface="Estrangelo Edessa"/>
+        <a:font script="Orya" typeface="Kalinga"/>
+        <a:font script="Mlym" typeface="Kartika"/>
+        <a:font script="Laoo" typeface="DokChampa"/>
+        <a:font script="Sinh" typeface="Iskoola Pota"/>
+        <a:font script="Mong" typeface="Mongolian Baiti"/>
+        <a:font script="Viet" typeface="Arial"/>
+        <a:font script="Uigh" typeface="Microsoft Uighur"/>
+        <a:font script="Geor" typeface="Sylfaen"/>
+        <a:font script="Armn" typeface="Arial"/>
+        <a:font script="Bugi" typeface="Leelawadee UI"/>
+        <a:font script="Bopo" typeface="Microsoft JhengHei"/>
+        <a:font script="Java" typeface="Javanese Text"/>
+        <a:font script="Lisu" typeface="Segoe UI"/>
+        <a:font script="Mymr" typeface="Myanmar Text"/>
+        <a:font script="Nkoo" typeface="Ebrima"/>
+        <a:font script="Olck" typeface="Nirmala UI"/>
+        <a:font script="Osma" typeface="Ebrima"/>
+        <a:font script="Phag" typeface="Phagspa"/>
+        <a:font script="Syrn" typeface="Estrangelo Edessa"/>
+        <a:font script="Syrj" typeface="Estrangelo Edessa"/>
+        <a:font script="Syre" typeface="Estrangelo Edessa"/>
+        <a:font script="Sora" typeface="Nirmala UI"/>
+        <a:font script="Tale" typeface="Microsoft Tai Le"/>
+        <a:font script="Talu" typeface="Microsoft New Tai Lue"/>
+        <a:font script="Tfng" typeface="Ebrima"/>
+      </a:minorFont>
+    </a:fontScheme>
+    <a:fmtScheme name="Office">
+      <a:fillStyleLst>
+        <a:solidFill>
+          <a:schemeClr val="phClr"/>
+        </a:solidFill>
+        <a:gradFill rotWithShape="1">
+          <a:gsLst>
+            <a:gs pos="0">
+              <a:schemeClr val="phClr">
+                <a:lumMod val="110000"/>
+                <a:satMod val="105000"/>
+                <a:tint val="67000"/>
+              </a:schemeClr>
+            </a:gs>
+            <a:gs pos="50000">
+              <a:schemeClr val="phClr">
+                <a:lumMod val="105000"/>
+                <a:satMod val="103000"/>
+                <a:tint val="73000"/>
+              </a:schemeClr>
+            </a:gs>
+            <a:gs pos="100000">
+              <a:schemeClr val="phClr">
+                <a:lumMod val="105000"/>
+                <a:satMod val="109000"/>
+                <a:tint val="81000"/>
+              </a:schemeClr>
+            </a:gs>
+          </a:gsLst>
+          <a:lin ang="5400000" scaled="0"/>
+        </a:gradFill>
+        <a:gradFill rotWithShape="1">
+          <a:gsLst>
+            <a:gs pos="0">
+              <a:schemeClr val="phClr">
+                <a:satMod val="103000"/>
+                <a:lumMod val="102000"/>
+                <a:tint val="94000"/>
+              </a:schemeClr>
+            </a:gs>
+            <a:gs pos="50000">
+              <a:schemeClr val="phClr">
+                <a:satMod val="110000"/>
+                <a:lumMod val="100000"/>
+                <a:shade val="100000"/>
+              </a:schemeClr>
+            </a:gs>
+            <a:gs pos="100000">
+              <a:schemeClr val="phClr">
+                <a:lumMod val="99000"/>
+                <a:satMod val="120000"/>
+                <a:shade val="78000"/>
+              </a:schemeClr>
+            </a:gs>
+          </a:gsLst>
+          <a:lin ang="5400000" scaled="0"/>
+        </a:gradFill>
+      </a:fillStyleLst>
+      <a:lnStyleLst>
+        <a:ln w="6350" cap="flat" cmpd="sng" algn="ctr">
+          <a:solidFill>
+            <a:schemeClr val="phClr"/>
+          </a:solidFill>
+          <a:prstDash val="solid"/>
+          <a:miter lim="800000"/>
+        </a:ln>
+        <a:ln w="12700" cap="flat" cmpd="sng" algn="ctr">
+          <a:solidFill>
+            <a:schemeClr val="phClr"/>
+          </a:solidFill>
+          <a:prstDash val="solid"/>
+          <a:miter lim="800000"/>
+        </a:ln>
+        <a:ln w="19050" cap="flat" cmpd="sng" algn="ctr">
+          <a:solidFill>
+            <a:schemeClr val="phClr"/>
+          </a:solidFill>
+          <a:prstDash val="solid"/>
+          <a:miter lim="800000"/>
+        </a:ln>
+      </a:lnStyleLst>
+      <a:effectStyleLst>
+        <a:effectStyle>
+          <a:effectLst/>
+        </a:effectStyle>
+        <a:effectStyle>
+          <a:effectLst/>
+        </a:effectStyle>
+        <a:effectStyle>
+          <a:effectLst>
+            <a:outerShdw blurRad="57150" dist="19050" dir="5400000" algn="ctr" rotWithShape="0">
+              <a:srgbClr val="000000">
+                <a:alpha val="63000"/>
+              </a:srgbClr>
+            </a:outerShdw>
+          </a:effectLst>
+        </a:effectStyle>
+      </a:effectStyleLst>
+      <a:bgFillStyleLst>
+        <a:solidFill>
+          <a:schemeClr val="phClr"/>
+        </a:solidFill>
+        <a:solidFill>
+          <a:schemeClr val="phClr">
+            <a:tint val="95000"/>
+            <a:satMod val="170000"/>
+          </a:schemeClr>
+        </a:solidFill>
+        <a:gradFill rotWithShape="1">
+          <a:gsLst>
+            <a:gs pos="0">
+              <a:schemeClr val="phClr">
+                <a:tint val="93000"/>
+                <a:satMod val="150000"/>
+                <a:shade val="98000"/>
+                <a:lumMod val="102000"/>
+              </a:schemeClr>
+            </a:gs>
+            <a:gs pos="50000">
+              <a:schemeClr val="phClr">
+                <a:tint val="98000"/>
+                <a:satMod val="130000"/>
+                <a:shade val="90000"/>
+                <a:lumMod val="103000"/>
+              </a:schemeClr>
+            </a:gs>
+            <a:gs pos="100000">
+              <a:schemeClr val="phClr">
+                <a:shade val="63000"/>
+                <a:satMod val="120000"/>
+              </a:schemeClr>
+            </a:gs>
+          </a:gsLst>
+          <a:lin ang="5400000" scaled="0"/>
+        </a:gradFill>
+      </a:bgFillStyleLst>
+    </a:fmtScheme>
+  </a:themeElements>
+  <a:objectDefaults/>
+  <a:extraClrSchemeLst/>
+  <a:extLst>
+    <a:ext uri="{05A4C25C-085E-4340-85A3-A5531E510DB2}">
+      <thm15:themeFamily xmlns:thm15="http://schemas.microsoft.com/office/thememl/2012/main" name="Office Theme" id="{62F939B6-93AF-4DB8-9C6B-D6C7DFDC589F}" vid="{4A3C46E8-61CC-4603-A589-7422A47A8E4A}"/>
+    </a:ext>
+  </a:extLst>
+</a:theme>
 </file>